--- a/pj-corridor.net/side-six/side-six-reversi-help.pptx
+++ b/pj-corridor.net/side-six/side-six-reversi-help.pptx
@@ -1241,7 +1241,7 @@
         </p:nvSpPr>
         <p:spPr>
           <a:xfrm>
-            <a:off x="3726644" y="4154152"/>
+            <a:off x="3471221" y="4154152"/>
             <a:ext cx="488950" cy="1644650"/>
           </a:xfrm>
           <a:prstGeom prst="upDownArrow">
@@ -1286,6 +1286,441 @@
           </a:p>
         </p:txBody>
       </p:sp>
+      <p:grpSp>
+        <p:nvGrpSpPr>
+          <p:cNvPr id="5" name="グループ化 4">
+            <a:extLst>
+              <a:ext uri="{FF2B5EF4-FFF2-40B4-BE49-F238E27FC236}">
+                <a16:creationId xmlns:a16="http://schemas.microsoft.com/office/drawing/2014/main" id="{D33380E9-47A3-5087-608C-2181BD822553}"/>
+              </a:ext>
+            </a:extLst>
+          </p:cNvPr>
+          <p:cNvGrpSpPr/>
+          <p:nvPr/>
+        </p:nvGrpSpPr>
+        <p:grpSpPr>
+          <a:xfrm>
+            <a:off x="2449501" y="4448068"/>
+            <a:ext cx="723900" cy="1056818"/>
+            <a:chOff x="5543645" y="2286395"/>
+            <a:chExt cx="1568355" cy="2289635"/>
+          </a:xfrm>
+          <a:effectLst>
+            <a:outerShdw blurRad="50800" dist="38100" dir="2700000" algn="tl" rotWithShape="0">
+              <a:prstClr val="black">
+                <a:alpha val="40000"/>
+              </a:prstClr>
+            </a:outerShdw>
+          </a:effectLst>
+        </p:grpSpPr>
+        <p:sp>
+          <p:nvSpPr>
+            <p:cNvPr id="7" name="四角形: 角を丸くする 6">
+              <a:extLst>
+                <a:ext uri="{FF2B5EF4-FFF2-40B4-BE49-F238E27FC236}">
+                  <a16:creationId xmlns:a16="http://schemas.microsoft.com/office/drawing/2014/main" id="{7531B116-DECA-4719-8F1F-BE7CE1B04073}"/>
+                </a:ext>
+              </a:extLst>
+            </p:cNvPr>
+            <p:cNvSpPr/>
+            <p:nvPr/>
+          </p:nvSpPr>
+          <p:spPr>
+            <a:xfrm>
+              <a:off x="5543645" y="2286396"/>
+              <a:ext cx="1568355" cy="2289634"/>
+            </a:xfrm>
+            <a:prstGeom prst="roundRect">
+              <a:avLst>
+                <a:gd name="adj" fmla="val 50000"/>
+              </a:avLst>
+            </a:prstGeom>
+            <a:solidFill>
+              <a:schemeClr val="bg1"/>
+            </a:solidFill>
+            <a:ln>
+              <a:noFill/>
+            </a:ln>
+          </p:spPr>
+          <p:style>
+            <a:lnRef idx="2">
+              <a:schemeClr val="accent1">
+                <a:shade val="15000"/>
+              </a:schemeClr>
+            </a:lnRef>
+            <a:fillRef idx="1">
+              <a:schemeClr val="accent1"/>
+            </a:fillRef>
+            <a:effectRef idx="0">
+              <a:schemeClr val="accent1"/>
+            </a:effectRef>
+            <a:fontRef idx="minor">
+              <a:schemeClr val="lt1"/>
+            </a:fontRef>
+          </p:style>
+          <p:txBody>
+            <a:bodyPr rtlCol="0" anchor="ctr"/>
+            <a:lstStyle/>
+            <a:p>
+              <a:pPr algn="ctr"/>
+              <a:endParaRPr kumimoji="1" lang="ja-JP" altLang="en-US"/>
+            </a:p>
+          </p:txBody>
+        </p:sp>
+        <p:sp>
+          <p:nvSpPr>
+            <p:cNvPr id="9" name="フリーフォーム: 図形 8">
+              <a:extLst>
+                <a:ext uri="{FF2B5EF4-FFF2-40B4-BE49-F238E27FC236}">
+                  <a16:creationId xmlns:a16="http://schemas.microsoft.com/office/drawing/2014/main" id="{A76723E3-8C22-93B8-6EA5-A469F604E9CE}"/>
+                </a:ext>
+              </a:extLst>
+            </p:cNvPr>
+            <p:cNvSpPr/>
+            <p:nvPr/>
+          </p:nvSpPr>
+          <p:spPr>
+            <a:xfrm rot="5400000">
+              <a:off x="5183006" y="2647035"/>
+              <a:ext cx="2289634" cy="1568354"/>
+            </a:xfrm>
+            <a:custGeom>
+              <a:avLst/>
+              <a:gdLst>
+                <a:gd name="connsiteX0" fmla="*/ 1476623 w 2289634"/>
+                <a:gd name="connsiteY0" fmla="*/ 1568354 h 1568354"/>
+                <a:gd name="connsiteX1" fmla="*/ 1476623 w 2289634"/>
+                <a:gd name="connsiteY1" fmla="*/ 0 h 1568354"/>
+                <a:gd name="connsiteX2" fmla="*/ 1505457 w 2289634"/>
+                <a:gd name="connsiteY2" fmla="*/ 0 h 1568354"/>
+                <a:gd name="connsiteX3" fmla="*/ 2289634 w 2289634"/>
+                <a:gd name="connsiteY3" fmla="*/ 784177 h 1568354"/>
+                <a:gd name="connsiteX4" fmla="*/ 1505457 w 2289634"/>
+                <a:gd name="connsiteY4" fmla="*/ 1568354 h 1568354"/>
+                <a:gd name="connsiteX5" fmla="*/ 783 w 2289634"/>
+                <a:gd name="connsiteY5" fmla="*/ 835829 h 1568354"/>
+                <a:gd name="connsiteX6" fmla="*/ 80211 w 2289634"/>
+                <a:gd name="connsiteY6" fmla="*/ 835829 h 1568354"/>
+                <a:gd name="connsiteX7" fmla="*/ 89380 w 2289634"/>
+                <a:gd name="connsiteY7" fmla="*/ 881242 h 1568354"/>
+                <a:gd name="connsiteX8" fmla="*/ 292679 w 2289634"/>
+                <a:gd name="connsiteY8" fmla="*/ 1015998 h 1568354"/>
+                <a:gd name="connsiteX9" fmla="*/ 921967 w 2289634"/>
+                <a:gd name="connsiteY9" fmla="*/ 1015998 h 1568354"/>
+                <a:gd name="connsiteX10" fmla="*/ 1125266 w 2289634"/>
+                <a:gd name="connsiteY10" fmla="*/ 881242 h 1568354"/>
+                <a:gd name="connsiteX11" fmla="*/ 1134435 w 2289634"/>
+                <a:gd name="connsiteY11" fmla="*/ 835829 h 1568354"/>
+                <a:gd name="connsiteX12" fmla="*/ 1381089 w 2289634"/>
+                <a:gd name="connsiteY12" fmla="*/ 835829 h 1568354"/>
+                <a:gd name="connsiteX13" fmla="*/ 1381089 w 2289634"/>
+                <a:gd name="connsiteY13" fmla="*/ 1568354 h 1568354"/>
+                <a:gd name="connsiteX14" fmla="*/ 779753 w 2289634"/>
+                <a:gd name="connsiteY14" fmla="*/ 1568354 h 1568354"/>
+                <a:gd name="connsiteX15" fmla="*/ 11508 w 2289634"/>
+                <a:gd name="connsiteY15" fmla="*/ 942216 h 1568354"/>
+                <a:gd name="connsiteX16" fmla="*/ 0 w 2289634"/>
+                <a:gd name="connsiteY16" fmla="*/ 740295 h 1568354"/>
+                <a:gd name="connsiteX17" fmla="*/ 11508 w 2289634"/>
+                <a:gd name="connsiteY17" fmla="*/ 626138 h 1568354"/>
+                <a:gd name="connsiteX18" fmla="*/ 779753 w 2289634"/>
+                <a:gd name="connsiteY18" fmla="*/ 0 h 1568354"/>
+                <a:gd name="connsiteX19" fmla="*/ 1381089 w 2289634"/>
+                <a:gd name="connsiteY19" fmla="*/ 0 h 1568354"/>
+                <a:gd name="connsiteX20" fmla="*/ 1381089 w 2289634"/>
+                <a:gd name="connsiteY20" fmla="*/ 740295 h 1568354"/>
+                <a:gd name="connsiteX21" fmla="*/ 1131488 w 2289634"/>
+                <a:gd name="connsiteY21" fmla="*/ 740295 h 1568354"/>
+                <a:gd name="connsiteX22" fmla="*/ 1125266 w 2289634"/>
+                <a:gd name="connsiteY22" fmla="*/ 709478 h 1568354"/>
+                <a:gd name="connsiteX23" fmla="*/ 921967 w 2289634"/>
+                <a:gd name="connsiteY23" fmla="*/ 574722 h 1568354"/>
+                <a:gd name="connsiteX24" fmla="*/ 292679 w 2289634"/>
+                <a:gd name="connsiteY24" fmla="*/ 574722 h 1568354"/>
+                <a:gd name="connsiteX25" fmla="*/ 89380 w 2289634"/>
+                <a:gd name="connsiteY25" fmla="*/ 709478 h 1568354"/>
+                <a:gd name="connsiteX26" fmla="*/ 83158 w 2289634"/>
+                <a:gd name="connsiteY26" fmla="*/ 740295 h 1568354"/>
+              </a:gdLst>
+              <a:ahLst/>
+              <a:cxnLst>
+                <a:cxn ang="0">
+                  <a:pos x="connsiteX0" y="connsiteY0"/>
+                </a:cxn>
+                <a:cxn ang="0">
+                  <a:pos x="connsiteX1" y="connsiteY1"/>
+                </a:cxn>
+                <a:cxn ang="0">
+                  <a:pos x="connsiteX2" y="connsiteY2"/>
+                </a:cxn>
+                <a:cxn ang="0">
+                  <a:pos x="connsiteX3" y="connsiteY3"/>
+                </a:cxn>
+                <a:cxn ang="0">
+                  <a:pos x="connsiteX4" y="connsiteY4"/>
+                </a:cxn>
+                <a:cxn ang="0">
+                  <a:pos x="connsiteX5" y="connsiteY5"/>
+                </a:cxn>
+                <a:cxn ang="0">
+                  <a:pos x="connsiteX6" y="connsiteY6"/>
+                </a:cxn>
+                <a:cxn ang="0">
+                  <a:pos x="connsiteX7" y="connsiteY7"/>
+                </a:cxn>
+                <a:cxn ang="0">
+                  <a:pos x="connsiteX8" y="connsiteY8"/>
+                </a:cxn>
+                <a:cxn ang="0">
+                  <a:pos x="connsiteX9" y="connsiteY9"/>
+                </a:cxn>
+                <a:cxn ang="0">
+                  <a:pos x="connsiteX10" y="connsiteY10"/>
+                </a:cxn>
+                <a:cxn ang="0">
+                  <a:pos x="connsiteX11" y="connsiteY11"/>
+                </a:cxn>
+                <a:cxn ang="0">
+                  <a:pos x="connsiteX12" y="connsiteY12"/>
+                </a:cxn>
+                <a:cxn ang="0">
+                  <a:pos x="connsiteX13" y="connsiteY13"/>
+                </a:cxn>
+                <a:cxn ang="0">
+                  <a:pos x="connsiteX14" y="connsiteY14"/>
+                </a:cxn>
+                <a:cxn ang="0">
+                  <a:pos x="connsiteX15" y="connsiteY15"/>
+                </a:cxn>
+                <a:cxn ang="0">
+                  <a:pos x="connsiteX16" y="connsiteY16"/>
+                </a:cxn>
+                <a:cxn ang="0">
+                  <a:pos x="connsiteX17" y="connsiteY17"/>
+                </a:cxn>
+                <a:cxn ang="0">
+                  <a:pos x="connsiteX18" y="connsiteY18"/>
+                </a:cxn>
+                <a:cxn ang="0">
+                  <a:pos x="connsiteX19" y="connsiteY19"/>
+                </a:cxn>
+                <a:cxn ang="0">
+                  <a:pos x="connsiteX20" y="connsiteY20"/>
+                </a:cxn>
+                <a:cxn ang="0">
+                  <a:pos x="connsiteX21" y="connsiteY21"/>
+                </a:cxn>
+                <a:cxn ang="0">
+                  <a:pos x="connsiteX22" y="connsiteY22"/>
+                </a:cxn>
+                <a:cxn ang="0">
+                  <a:pos x="connsiteX23" y="connsiteY23"/>
+                </a:cxn>
+                <a:cxn ang="0">
+                  <a:pos x="connsiteX24" y="connsiteY24"/>
+                </a:cxn>
+                <a:cxn ang="0">
+                  <a:pos x="connsiteX25" y="connsiteY25"/>
+                </a:cxn>
+                <a:cxn ang="0">
+                  <a:pos x="connsiteX26" y="connsiteY26"/>
+                </a:cxn>
+              </a:cxnLst>
+              <a:rect l="l" t="t" r="r" b="b"/>
+              <a:pathLst>
+                <a:path w="2289634" h="1568354">
+                  <a:moveTo>
+                    <a:pt x="1476623" y="1568354"/>
+                  </a:moveTo>
+                  <a:lnTo>
+                    <a:pt x="1476623" y="0"/>
+                  </a:lnTo>
+                  <a:lnTo>
+                    <a:pt x="1505457" y="0"/>
+                  </a:lnTo>
+                  <a:cubicBezTo>
+                    <a:pt x="1938546" y="0"/>
+                    <a:pt x="2289634" y="351088"/>
+                    <a:pt x="2289634" y="784177"/>
+                  </a:cubicBezTo>
+                  <a:cubicBezTo>
+                    <a:pt x="2289634" y="1217266"/>
+                    <a:pt x="1938546" y="1568354"/>
+                    <a:pt x="1505457" y="1568354"/>
+                  </a:cubicBezTo>
+                  <a:close/>
+                  <a:moveTo>
+                    <a:pt x="783" y="835829"/>
+                  </a:moveTo>
+                  <a:lnTo>
+                    <a:pt x="80211" y="835829"/>
+                  </a:lnTo>
+                  <a:lnTo>
+                    <a:pt x="89380" y="881242"/>
+                  </a:lnTo>
+                  <a:cubicBezTo>
+                    <a:pt x="122875" y="960433"/>
+                    <a:pt x="201288" y="1015998"/>
+                    <a:pt x="292679" y="1015998"/>
+                  </a:cubicBezTo>
+                  <a:lnTo>
+                    <a:pt x="921967" y="1015998"/>
+                  </a:lnTo>
+                  <a:cubicBezTo>
+                    <a:pt x="1013358" y="1015998"/>
+                    <a:pt x="1091772" y="960433"/>
+                    <a:pt x="1125266" y="881242"/>
+                  </a:cubicBezTo>
+                  <a:lnTo>
+                    <a:pt x="1134435" y="835829"/>
+                  </a:lnTo>
+                  <a:lnTo>
+                    <a:pt x="1381089" y="835829"/>
+                  </a:lnTo>
+                  <a:lnTo>
+                    <a:pt x="1381089" y="1568354"/>
+                  </a:lnTo>
+                  <a:lnTo>
+                    <a:pt x="779753" y="1568354"/>
+                  </a:lnTo>
+                  <a:cubicBezTo>
+                    <a:pt x="400800" y="1568354"/>
+                    <a:pt x="84629" y="1299552"/>
+                    <a:pt x="11508" y="942216"/>
+                  </a:cubicBezTo>
+                  <a:close/>
+                  <a:moveTo>
+                    <a:pt x="0" y="740295"/>
+                  </a:moveTo>
+                  <a:lnTo>
+                    <a:pt x="11508" y="626138"/>
+                  </a:lnTo>
+                  <a:cubicBezTo>
+                    <a:pt x="84629" y="268802"/>
+                    <a:pt x="400800" y="0"/>
+                    <a:pt x="779753" y="0"/>
+                  </a:cubicBezTo>
+                  <a:lnTo>
+                    <a:pt x="1381089" y="0"/>
+                  </a:lnTo>
+                  <a:lnTo>
+                    <a:pt x="1381089" y="740295"/>
+                  </a:lnTo>
+                  <a:lnTo>
+                    <a:pt x="1131488" y="740295"/>
+                  </a:lnTo>
+                  <a:lnTo>
+                    <a:pt x="1125266" y="709478"/>
+                  </a:lnTo>
+                  <a:cubicBezTo>
+                    <a:pt x="1091772" y="630288"/>
+                    <a:pt x="1013358" y="574722"/>
+                    <a:pt x="921967" y="574722"/>
+                  </a:cubicBezTo>
+                  <a:lnTo>
+                    <a:pt x="292679" y="574722"/>
+                  </a:lnTo>
+                  <a:cubicBezTo>
+                    <a:pt x="201288" y="574722"/>
+                    <a:pt x="122875" y="630288"/>
+                    <a:pt x="89380" y="709478"/>
+                  </a:cubicBezTo>
+                  <a:lnTo>
+                    <a:pt x="83158" y="740295"/>
+                  </a:lnTo>
+                  <a:close/>
+                </a:path>
+              </a:pathLst>
+            </a:custGeom>
+            <a:solidFill>
+              <a:schemeClr val="tx1"/>
+            </a:solidFill>
+            <a:ln>
+              <a:noFill/>
+            </a:ln>
+          </p:spPr>
+          <p:style>
+            <a:lnRef idx="2">
+              <a:schemeClr val="accent1">
+                <a:shade val="15000"/>
+              </a:schemeClr>
+            </a:lnRef>
+            <a:fillRef idx="1">
+              <a:schemeClr val="accent1"/>
+            </a:fillRef>
+            <a:effectRef idx="0">
+              <a:schemeClr val="accent1"/>
+            </a:effectRef>
+            <a:fontRef idx="minor">
+              <a:schemeClr val="lt1"/>
+            </a:fontRef>
+          </p:style>
+          <p:txBody>
+            <a:bodyPr wrap="square" rtlCol="0" anchor="ctr">
+              <a:noAutofit/>
+            </a:bodyPr>
+            <a:lstStyle/>
+            <a:p>
+              <a:pPr algn="ctr"/>
+              <a:endParaRPr kumimoji="1" lang="ja-JP" altLang="en-US"/>
+            </a:p>
+          </p:txBody>
+        </p:sp>
+        <p:sp>
+          <p:nvSpPr>
+            <p:cNvPr id="10" name="四角形: 角を丸くする 9">
+              <a:extLst>
+                <a:ext uri="{FF2B5EF4-FFF2-40B4-BE49-F238E27FC236}">
+                  <a16:creationId xmlns:a16="http://schemas.microsoft.com/office/drawing/2014/main" id="{8F0F8704-7CF3-B63C-66BE-6D6752454BBC}"/>
+                </a:ext>
+              </a:extLst>
+            </p:cNvPr>
+            <p:cNvSpPr/>
+            <p:nvPr/>
+          </p:nvSpPr>
+          <p:spPr>
+            <a:xfrm rot="5400000">
+              <a:off x="5896876" y="2770212"/>
+              <a:ext cx="836494" cy="252482"/>
+            </a:xfrm>
+            <a:prstGeom prst="roundRect">
+              <a:avLst>
+                <a:gd name="adj" fmla="val 50000"/>
+              </a:avLst>
+            </a:prstGeom>
+            <a:solidFill>
+              <a:schemeClr val="tx1"/>
+            </a:solidFill>
+            <a:ln>
+              <a:noFill/>
+            </a:ln>
+          </p:spPr>
+          <p:style>
+            <a:lnRef idx="2">
+              <a:schemeClr val="accent1">
+                <a:shade val="15000"/>
+              </a:schemeClr>
+            </a:lnRef>
+            <a:fillRef idx="1">
+              <a:schemeClr val="accent1"/>
+            </a:fillRef>
+            <a:effectRef idx="0">
+              <a:schemeClr val="accent1"/>
+            </a:effectRef>
+            <a:fontRef idx="minor">
+              <a:schemeClr val="lt1"/>
+            </a:fontRef>
+          </p:style>
+          <p:txBody>
+            <a:bodyPr rtlCol="0" anchor="ctr"/>
+            <a:lstStyle/>
+            <a:p>
+              <a:pPr algn="ctr"/>
+              <a:endParaRPr kumimoji="1" lang="ja-JP" altLang="en-US"/>
+            </a:p>
+          </p:txBody>
+        </p:sp>
+      </p:grpSp>
     </p:spTree>
     <p:extLst>
       <p:ext uri="{BB962C8B-B14F-4D97-AF65-F5344CB8AC3E}">
@@ -1397,10 +1832,10 @@
       </p:sp>
       <p:sp>
         <p:nvSpPr>
-          <p:cNvPr id="8" name="矢印: 上下 7">
+          <p:cNvPr id="2" name="矢印: 上下 1">
             <a:extLst>
               <a:ext uri="{FF2B5EF4-FFF2-40B4-BE49-F238E27FC236}">
-                <a16:creationId xmlns:a16="http://schemas.microsoft.com/office/drawing/2014/main" id="{927B8721-D1E4-E31D-904D-38DB73F57833}"/>
+                <a16:creationId xmlns:a16="http://schemas.microsoft.com/office/drawing/2014/main" id="{FDD53D16-30F5-A759-7607-4257A686D951}"/>
               </a:ext>
             </a:extLst>
           </p:cNvPr>
@@ -1409,7 +1844,7 @@
         </p:nvSpPr>
         <p:spPr>
           <a:xfrm>
-            <a:off x="3726644" y="4154152"/>
+            <a:off x="3471221" y="4154152"/>
             <a:ext cx="488950" cy="1644650"/>
           </a:xfrm>
           <a:prstGeom prst="upDownArrow">
@@ -1454,6 +1889,441 @@
           </a:p>
         </p:txBody>
       </p:sp>
+      <p:grpSp>
+        <p:nvGrpSpPr>
+          <p:cNvPr id="5" name="グループ化 4">
+            <a:extLst>
+              <a:ext uri="{FF2B5EF4-FFF2-40B4-BE49-F238E27FC236}">
+                <a16:creationId xmlns:a16="http://schemas.microsoft.com/office/drawing/2014/main" id="{2542831D-5517-C812-F604-A63178D68E72}"/>
+              </a:ext>
+            </a:extLst>
+          </p:cNvPr>
+          <p:cNvGrpSpPr/>
+          <p:nvPr/>
+        </p:nvGrpSpPr>
+        <p:grpSpPr>
+          <a:xfrm>
+            <a:off x="2449501" y="4448068"/>
+            <a:ext cx="723900" cy="1056818"/>
+            <a:chOff x="5543645" y="2286395"/>
+            <a:chExt cx="1568355" cy="2289635"/>
+          </a:xfrm>
+          <a:effectLst>
+            <a:outerShdw blurRad="50800" dist="38100" dir="2700000" algn="tl" rotWithShape="0">
+              <a:prstClr val="black">
+                <a:alpha val="40000"/>
+              </a:prstClr>
+            </a:outerShdw>
+          </a:effectLst>
+        </p:grpSpPr>
+        <p:sp>
+          <p:nvSpPr>
+            <p:cNvPr id="6" name="四角形: 角を丸くする 5">
+              <a:extLst>
+                <a:ext uri="{FF2B5EF4-FFF2-40B4-BE49-F238E27FC236}">
+                  <a16:creationId xmlns:a16="http://schemas.microsoft.com/office/drawing/2014/main" id="{A4C31B7D-2E6B-424E-8231-10009C0AA03B}"/>
+                </a:ext>
+              </a:extLst>
+            </p:cNvPr>
+            <p:cNvSpPr/>
+            <p:nvPr/>
+          </p:nvSpPr>
+          <p:spPr>
+            <a:xfrm>
+              <a:off x="5543645" y="2286396"/>
+              <a:ext cx="1568355" cy="2289634"/>
+            </a:xfrm>
+            <a:prstGeom prst="roundRect">
+              <a:avLst>
+                <a:gd name="adj" fmla="val 50000"/>
+              </a:avLst>
+            </a:prstGeom>
+            <a:solidFill>
+              <a:schemeClr val="bg1"/>
+            </a:solidFill>
+            <a:ln>
+              <a:noFill/>
+            </a:ln>
+          </p:spPr>
+          <p:style>
+            <a:lnRef idx="2">
+              <a:schemeClr val="accent1">
+                <a:shade val="15000"/>
+              </a:schemeClr>
+            </a:lnRef>
+            <a:fillRef idx="1">
+              <a:schemeClr val="accent1"/>
+            </a:fillRef>
+            <a:effectRef idx="0">
+              <a:schemeClr val="accent1"/>
+            </a:effectRef>
+            <a:fontRef idx="minor">
+              <a:schemeClr val="lt1"/>
+            </a:fontRef>
+          </p:style>
+          <p:txBody>
+            <a:bodyPr rtlCol="0" anchor="ctr"/>
+            <a:lstStyle/>
+            <a:p>
+              <a:pPr algn="ctr"/>
+              <a:endParaRPr kumimoji="1" lang="ja-JP" altLang="en-US"/>
+            </a:p>
+          </p:txBody>
+        </p:sp>
+        <p:sp>
+          <p:nvSpPr>
+            <p:cNvPr id="7" name="フリーフォーム: 図形 6">
+              <a:extLst>
+                <a:ext uri="{FF2B5EF4-FFF2-40B4-BE49-F238E27FC236}">
+                  <a16:creationId xmlns:a16="http://schemas.microsoft.com/office/drawing/2014/main" id="{17225B10-35EB-3D4A-87C9-9E45CC5E2F16}"/>
+                </a:ext>
+              </a:extLst>
+            </p:cNvPr>
+            <p:cNvSpPr/>
+            <p:nvPr/>
+          </p:nvSpPr>
+          <p:spPr>
+            <a:xfrm rot="5400000">
+              <a:off x="5183006" y="2647035"/>
+              <a:ext cx="2289634" cy="1568354"/>
+            </a:xfrm>
+            <a:custGeom>
+              <a:avLst/>
+              <a:gdLst>
+                <a:gd name="connsiteX0" fmla="*/ 1476623 w 2289634"/>
+                <a:gd name="connsiteY0" fmla="*/ 1568354 h 1568354"/>
+                <a:gd name="connsiteX1" fmla="*/ 1476623 w 2289634"/>
+                <a:gd name="connsiteY1" fmla="*/ 0 h 1568354"/>
+                <a:gd name="connsiteX2" fmla="*/ 1505457 w 2289634"/>
+                <a:gd name="connsiteY2" fmla="*/ 0 h 1568354"/>
+                <a:gd name="connsiteX3" fmla="*/ 2289634 w 2289634"/>
+                <a:gd name="connsiteY3" fmla="*/ 784177 h 1568354"/>
+                <a:gd name="connsiteX4" fmla="*/ 1505457 w 2289634"/>
+                <a:gd name="connsiteY4" fmla="*/ 1568354 h 1568354"/>
+                <a:gd name="connsiteX5" fmla="*/ 783 w 2289634"/>
+                <a:gd name="connsiteY5" fmla="*/ 835829 h 1568354"/>
+                <a:gd name="connsiteX6" fmla="*/ 80211 w 2289634"/>
+                <a:gd name="connsiteY6" fmla="*/ 835829 h 1568354"/>
+                <a:gd name="connsiteX7" fmla="*/ 89380 w 2289634"/>
+                <a:gd name="connsiteY7" fmla="*/ 881242 h 1568354"/>
+                <a:gd name="connsiteX8" fmla="*/ 292679 w 2289634"/>
+                <a:gd name="connsiteY8" fmla="*/ 1015998 h 1568354"/>
+                <a:gd name="connsiteX9" fmla="*/ 921967 w 2289634"/>
+                <a:gd name="connsiteY9" fmla="*/ 1015998 h 1568354"/>
+                <a:gd name="connsiteX10" fmla="*/ 1125266 w 2289634"/>
+                <a:gd name="connsiteY10" fmla="*/ 881242 h 1568354"/>
+                <a:gd name="connsiteX11" fmla="*/ 1134435 w 2289634"/>
+                <a:gd name="connsiteY11" fmla="*/ 835829 h 1568354"/>
+                <a:gd name="connsiteX12" fmla="*/ 1381089 w 2289634"/>
+                <a:gd name="connsiteY12" fmla="*/ 835829 h 1568354"/>
+                <a:gd name="connsiteX13" fmla="*/ 1381089 w 2289634"/>
+                <a:gd name="connsiteY13" fmla="*/ 1568354 h 1568354"/>
+                <a:gd name="connsiteX14" fmla="*/ 779753 w 2289634"/>
+                <a:gd name="connsiteY14" fmla="*/ 1568354 h 1568354"/>
+                <a:gd name="connsiteX15" fmla="*/ 11508 w 2289634"/>
+                <a:gd name="connsiteY15" fmla="*/ 942216 h 1568354"/>
+                <a:gd name="connsiteX16" fmla="*/ 0 w 2289634"/>
+                <a:gd name="connsiteY16" fmla="*/ 740295 h 1568354"/>
+                <a:gd name="connsiteX17" fmla="*/ 11508 w 2289634"/>
+                <a:gd name="connsiteY17" fmla="*/ 626138 h 1568354"/>
+                <a:gd name="connsiteX18" fmla="*/ 779753 w 2289634"/>
+                <a:gd name="connsiteY18" fmla="*/ 0 h 1568354"/>
+                <a:gd name="connsiteX19" fmla="*/ 1381089 w 2289634"/>
+                <a:gd name="connsiteY19" fmla="*/ 0 h 1568354"/>
+                <a:gd name="connsiteX20" fmla="*/ 1381089 w 2289634"/>
+                <a:gd name="connsiteY20" fmla="*/ 740295 h 1568354"/>
+                <a:gd name="connsiteX21" fmla="*/ 1131488 w 2289634"/>
+                <a:gd name="connsiteY21" fmla="*/ 740295 h 1568354"/>
+                <a:gd name="connsiteX22" fmla="*/ 1125266 w 2289634"/>
+                <a:gd name="connsiteY22" fmla="*/ 709478 h 1568354"/>
+                <a:gd name="connsiteX23" fmla="*/ 921967 w 2289634"/>
+                <a:gd name="connsiteY23" fmla="*/ 574722 h 1568354"/>
+                <a:gd name="connsiteX24" fmla="*/ 292679 w 2289634"/>
+                <a:gd name="connsiteY24" fmla="*/ 574722 h 1568354"/>
+                <a:gd name="connsiteX25" fmla="*/ 89380 w 2289634"/>
+                <a:gd name="connsiteY25" fmla="*/ 709478 h 1568354"/>
+                <a:gd name="connsiteX26" fmla="*/ 83158 w 2289634"/>
+                <a:gd name="connsiteY26" fmla="*/ 740295 h 1568354"/>
+              </a:gdLst>
+              <a:ahLst/>
+              <a:cxnLst>
+                <a:cxn ang="0">
+                  <a:pos x="connsiteX0" y="connsiteY0"/>
+                </a:cxn>
+                <a:cxn ang="0">
+                  <a:pos x="connsiteX1" y="connsiteY1"/>
+                </a:cxn>
+                <a:cxn ang="0">
+                  <a:pos x="connsiteX2" y="connsiteY2"/>
+                </a:cxn>
+                <a:cxn ang="0">
+                  <a:pos x="connsiteX3" y="connsiteY3"/>
+                </a:cxn>
+                <a:cxn ang="0">
+                  <a:pos x="connsiteX4" y="connsiteY4"/>
+                </a:cxn>
+                <a:cxn ang="0">
+                  <a:pos x="connsiteX5" y="connsiteY5"/>
+                </a:cxn>
+                <a:cxn ang="0">
+                  <a:pos x="connsiteX6" y="connsiteY6"/>
+                </a:cxn>
+                <a:cxn ang="0">
+                  <a:pos x="connsiteX7" y="connsiteY7"/>
+                </a:cxn>
+                <a:cxn ang="0">
+                  <a:pos x="connsiteX8" y="connsiteY8"/>
+                </a:cxn>
+                <a:cxn ang="0">
+                  <a:pos x="connsiteX9" y="connsiteY9"/>
+                </a:cxn>
+                <a:cxn ang="0">
+                  <a:pos x="connsiteX10" y="connsiteY10"/>
+                </a:cxn>
+                <a:cxn ang="0">
+                  <a:pos x="connsiteX11" y="connsiteY11"/>
+                </a:cxn>
+                <a:cxn ang="0">
+                  <a:pos x="connsiteX12" y="connsiteY12"/>
+                </a:cxn>
+                <a:cxn ang="0">
+                  <a:pos x="connsiteX13" y="connsiteY13"/>
+                </a:cxn>
+                <a:cxn ang="0">
+                  <a:pos x="connsiteX14" y="connsiteY14"/>
+                </a:cxn>
+                <a:cxn ang="0">
+                  <a:pos x="connsiteX15" y="connsiteY15"/>
+                </a:cxn>
+                <a:cxn ang="0">
+                  <a:pos x="connsiteX16" y="connsiteY16"/>
+                </a:cxn>
+                <a:cxn ang="0">
+                  <a:pos x="connsiteX17" y="connsiteY17"/>
+                </a:cxn>
+                <a:cxn ang="0">
+                  <a:pos x="connsiteX18" y="connsiteY18"/>
+                </a:cxn>
+                <a:cxn ang="0">
+                  <a:pos x="connsiteX19" y="connsiteY19"/>
+                </a:cxn>
+                <a:cxn ang="0">
+                  <a:pos x="connsiteX20" y="connsiteY20"/>
+                </a:cxn>
+                <a:cxn ang="0">
+                  <a:pos x="connsiteX21" y="connsiteY21"/>
+                </a:cxn>
+                <a:cxn ang="0">
+                  <a:pos x="connsiteX22" y="connsiteY22"/>
+                </a:cxn>
+                <a:cxn ang="0">
+                  <a:pos x="connsiteX23" y="connsiteY23"/>
+                </a:cxn>
+                <a:cxn ang="0">
+                  <a:pos x="connsiteX24" y="connsiteY24"/>
+                </a:cxn>
+                <a:cxn ang="0">
+                  <a:pos x="connsiteX25" y="connsiteY25"/>
+                </a:cxn>
+                <a:cxn ang="0">
+                  <a:pos x="connsiteX26" y="connsiteY26"/>
+                </a:cxn>
+              </a:cxnLst>
+              <a:rect l="l" t="t" r="r" b="b"/>
+              <a:pathLst>
+                <a:path w="2289634" h="1568354">
+                  <a:moveTo>
+                    <a:pt x="1476623" y="1568354"/>
+                  </a:moveTo>
+                  <a:lnTo>
+                    <a:pt x="1476623" y="0"/>
+                  </a:lnTo>
+                  <a:lnTo>
+                    <a:pt x="1505457" y="0"/>
+                  </a:lnTo>
+                  <a:cubicBezTo>
+                    <a:pt x="1938546" y="0"/>
+                    <a:pt x="2289634" y="351088"/>
+                    <a:pt x="2289634" y="784177"/>
+                  </a:cubicBezTo>
+                  <a:cubicBezTo>
+                    <a:pt x="2289634" y="1217266"/>
+                    <a:pt x="1938546" y="1568354"/>
+                    <a:pt x="1505457" y="1568354"/>
+                  </a:cubicBezTo>
+                  <a:close/>
+                  <a:moveTo>
+                    <a:pt x="783" y="835829"/>
+                  </a:moveTo>
+                  <a:lnTo>
+                    <a:pt x="80211" y="835829"/>
+                  </a:lnTo>
+                  <a:lnTo>
+                    <a:pt x="89380" y="881242"/>
+                  </a:lnTo>
+                  <a:cubicBezTo>
+                    <a:pt x="122875" y="960433"/>
+                    <a:pt x="201288" y="1015998"/>
+                    <a:pt x="292679" y="1015998"/>
+                  </a:cubicBezTo>
+                  <a:lnTo>
+                    <a:pt x="921967" y="1015998"/>
+                  </a:lnTo>
+                  <a:cubicBezTo>
+                    <a:pt x="1013358" y="1015998"/>
+                    <a:pt x="1091772" y="960433"/>
+                    <a:pt x="1125266" y="881242"/>
+                  </a:cubicBezTo>
+                  <a:lnTo>
+                    <a:pt x="1134435" y="835829"/>
+                  </a:lnTo>
+                  <a:lnTo>
+                    <a:pt x="1381089" y="835829"/>
+                  </a:lnTo>
+                  <a:lnTo>
+                    <a:pt x="1381089" y="1568354"/>
+                  </a:lnTo>
+                  <a:lnTo>
+                    <a:pt x="779753" y="1568354"/>
+                  </a:lnTo>
+                  <a:cubicBezTo>
+                    <a:pt x="400800" y="1568354"/>
+                    <a:pt x="84629" y="1299552"/>
+                    <a:pt x="11508" y="942216"/>
+                  </a:cubicBezTo>
+                  <a:close/>
+                  <a:moveTo>
+                    <a:pt x="0" y="740295"/>
+                  </a:moveTo>
+                  <a:lnTo>
+                    <a:pt x="11508" y="626138"/>
+                  </a:lnTo>
+                  <a:cubicBezTo>
+                    <a:pt x="84629" y="268802"/>
+                    <a:pt x="400800" y="0"/>
+                    <a:pt x="779753" y="0"/>
+                  </a:cubicBezTo>
+                  <a:lnTo>
+                    <a:pt x="1381089" y="0"/>
+                  </a:lnTo>
+                  <a:lnTo>
+                    <a:pt x="1381089" y="740295"/>
+                  </a:lnTo>
+                  <a:lnTo>
+                    <a:pt x="1131488" y="740295"/>
+                  </a:lnTo>
+                  <a:lnTo>
+                    <a:pt x="1125266" y="709478"/>
+                  </a:lnTo>
+                  <a:cubicBezTo>
+                    <a:pt x="1091772" y="630288"/>
+                    <a:pt x="1013358" y="574722"/>
+                    <a:pt x="921967" y="574722"/>
+                  </a:cubicBezTo>
+                  <a:lnTo>
+                    <a:pt x="292679" y="574722"/>
+                  </a:lnTo>
+                  <a:cubicBezTo>
+                    <a:pt x="201288" y="574722"/>
+                    <a:pt x="122875" y="630288"/>
+                    <a:pt x="89380" y="709478"/>
+                  </a:cubicBezTo>
+                  <a:lnTo>
+                    <a:pt x="83158" y="740295"/>
+                  </a:lnTo>
+                  <a:close/>
+                </a:path>
+              </a:pathLst>
+            </a:custGeom>
+            <a:solidFill>
+              <a:schemeClr val="tx1"/>
+            </a:solidFill>
+            <a:ln>
+              <a:noFill/>
+            </a:ln>
+          </p:spPr>
+          <p:style>
+            <a:lnRef idx="2">
+              <a:schemeClr val="accent1">
+                <a:shade val="15000"/>
+              </a:schemeClr>
+            </a:lnRef>
+            <a:fillRef idx="1">
+              <a:schemeClr val="accent1"/>
+            </a:fillRef>
+            <a:effectRef idx="0">
+              <a:schemeClr val="accent1"/>
+            </a:effectRef>
+            <a:fontRef idx="minor">
+              <a:schemeClr val="lt1"/>
+            </a:fontRef>
+          </p:style>
+          <p:txBody>
+            <a:bodyPr wrap="square" rtlCol="0" anchor="ctr">
+              <a:noAutofit/>
+            </a:bodyPr>
+            <a:lstStyle/>
+            <a:p>
+              <a:pPr algn="ctr"/>
+              <a:endParaRPr kumimoji="1" lang="ja-JP" altLang="en-US"/>
+            </a:p>
+          </p:txBody>
+        </p:sp>
+        <p:sp>
+          <p:nvSpPr>
+            <p:cNvPr id="9" name="四角形: 角を丸くする 8">
+              <a:extLst>
+                <a:ext uri="{FF2B5EF4-FFF2-40B4-BE49-F238E27FC236}">
+                  <a16:creationId xmlns:a16="http://schemas.microsoft.com/office/drawing/2014/main" id="{ED1F24A5-E287-A060-9FF0-8C6888831A1F}"/>
+                </a:ext>
+              </a:extLst>
+            </p:cNvPr>
+            <p:cNvSpPr/>
+            <p:nvPr/>
+          </p:nvSpPr>
+          <p:spPr>
+            <a:xfrm rot="5400000">
+              <a:off x="5896876" y="2770212"/>
+              <a:ext cx="836494" cy="252482"/>
+            </a:xfrm>
+            <a:prstGeom prst="roundRect">
+              <a:avLst>
+                <a:gd name="adj" fmla="val 50000"/>
+              </a:avLst>
+            </a:prstGeom>
+            <a:solidFill>
+              <a:schemeClr val="tx1"/>
+            </a:solidFill>
+            <a:ln>
+              <a:noFill/>
+            </a:ln>
+          </p:spPr>
+          <p:style>
+            <a:lnRef idx="2">
+              <a:schemeClr val="accent1">
+                <a:shade val="15000"/>
+              </a:schemeClr>
+            </a:lnRef>
+            <a:fillRef idx="1">
+              <a:schemeClr val="accent1"/>
+            </a:fillRef>
+            <a:effectRef idx="0">
+              <a:schemeClr val="accent1"/>
+            </a:effectRef>
+            <a:fontRef idx="minor">
+              <a:schemeClr val="lt1"/>
+            </a:fontRef>
+          </p:style>
+          <p:txBody>
+            <a:bodyPr rtlCol="0" anchor="ctr"/>
+            <a:lstStyle/>
+            <a:p>
+              <a:pPr algn="ctr"/>
+              <a:endParaRPr kumimoji="1" lang="ja-JP" altLang="en-US"/>
+            </a:p>
+          </p:txBody>
+        </p:sp>
+      </p:grpSp>
     </p:spTree>
     <p:extLst>
       <p:ext uri="{BB962C8B-B14F-4D97-AF65-F5344CB8AC3E}">
